--- a/ppt 16-9/1394.主为我们预备.pptx
+++ b/ppt 16-9/1394.主为我们预备.pptx
@@ -129,7 +129,7 @@
           <p:cNvPr id="2" name="标题 1">
             <a:extLst>
               <a:ext uri="{FF2B5EF4-FFF2-40B4-BE49-F238E27FC236}">
-                <a16:creationId xmlns:a16="http://schemas.microsoft.com/office/drawing/2014/main" id="{9447E742-2047-3E7E-6B68-8497796F3239}"/>
+                <a16:creationId xmlns:a16="http://schemas.microsoft.com/office/drawing/2014/main" id="{483BF85D-8229-CD40-5A57-EA04B3EE2CD7}"/>
               </a:ext>
             </a:extLst>
           </p:cNvPr>
@@ -166,7 +166,7 @@
           <p:cNvPr id="3" name="副标题 2">
             <a:extLst>
               <a:ext uri="{FF2B5EF4-FFF2-40B4-BE49-F238E27FC236}">
-                <a16:creationId xmlns:a16="http://schemas.microsoft.com/office/drawing/2014/main" id="{34313833-3CAF-2EB7-FAE8-895DF87C47E1}"/>
+                <a16:creationId xmlns:a16="http://schemas.microsoft.com/office/drawing/2014/main" id="{8199DFAD-85C3-CE19-2091-9ECE09101B07}"/>
               </a:ext>
             </a:extLst>
           </p:cNvPr>
@@ -236,7 +236,7 @@
           <p:cNvPr id="4" name="日期占位符 3">
             <a:extLst>
               <a:ext uri="{FF2B5EF4-FFF2-40B4-BE49-F238E27FC236}">
-                <a16:creationId xmlns:a16="http://schemas.microsoft.com/office/drawing/2014/main" id="{6A9F0083-2E4A-9F29-05C5-4E7DF07AA496}"/>
+                <a16:creationId xmlns:a16="http://schemas.microsoft.com/office/drawing/2014/main" id="{4DB3EE4D-DE8A-C454-9605-D453C376B869}"/>
               </a:ext>
             </a:extLst>
           </p:cNvPr>
@@ -252,7 +252,7 @@
           <a:bodyPr/>
           <a:lstStyle/>
           <a:p>
-            <a:fld id="{6EC1FBE5-4280-4576-80A2-46715F40C1FC}" type="datetimeFigureOut">
+            <a:fld id="{A521C0DC-1C02-4CC5-B823-646FF964A164}" type="datetimeFigureOut">
               <a:rPr lang="zh-CN" altLang="en-US" smtClean="0"/>
               <a:t>2024/3/10</a:t>
             </a:fld>
@@ -265,7 +265,7 @@
           <p:cNvPr id="5" name="页脚占位符 4">
             <a:extLst>
               <a:ext uri="{FF2B5EF4-FFF2-40B4-BE49-F238E27FC236}">
-                <a16:creationId xmlns:a16="http://schemas.microsoft.com/office/drawing/2014/main" id="{84441C21-ABE3-9D23-C28E-CB92FFDFDEB2}"/>
+                <a16:creationId xmlns:a16="http://schemas.microsoft.com/office/drawing/2014/main" id="{08C9B036-1010-D21F-E1E7-57120B5A52FB}"/>
               </a:ext>
             </a:extLst>
           </p:cNvPr>
@@ -290,7 +290,7 @@
           <p:cNvPr id="6" name="灯片编号占位符 5">
             <a:extLst>
               <a:ext uri="{FF2B5EF4-FFF2-40B4-BE49-F238E27FC236}">
-                <a16:creationId xmlns:a16="http://schemas.microsoft.com/office/drawing/2014/main" id="{7A8D0173-BE92-4D4F-5A8B-FCF4D4F5BF1F}"/>
+                <a16:creationId xmlns:a16="http://schemas.microsoft.com/office/drawing/2014/main" id="{49A00B7F-82D8-D6BE-F7C0-570A5B19116A}"/>
               </a:ext>
             </a:extLst>
           </p:cNvPr>
@@ -306,7 +306,7 @@
           <a:bodyPr/>
           <a:lstStyle/>
           <a:p>
-            <a:fld id="{2651C7D1-3E16-42BD-81CF-787F062290BF}" type="slidenum">
+            <a:fld id="{C439A322-E535-4902-AE7B-518A0259667F}" type="slidenum">
               <a:rPr lang="zh-CN" altLang="en-US" smtClean="0"/>
               <a:t>‹#›</a:t>
             </a:fld>
@@ -317,7 +317,7 @@
     </p:spTree>
     <p:extLst>
       <p:ext uri="{BB962C8B-B14F-4D97-AF65-F5344CB8AC3E}">
-        <p14:creationId xmlns:p14="http://schemas.microsoft.com/office/powerpoint/2010/main" val="731419766"/>
+        <p14:creationId xmlns:p14="http://schemas.microsoft.com/office/powerpoint/2010/main" val="253015160"/>
       </p:ext>
     </p:extLst>
   </p:cSld>
@@ -349,7 +349,7 @@
           <p:cNvPr id="2" name="标题 1">
             <a:extLst>
               <a:ext uri="{FF2B5EF4-FFF2-40B4-BE49-F238E27FC236}">
-                <a16:creationId xmlns:a16="http://schemas.microsoft.com/office/drawing/2014/main" id="{E9457539-303A-4226-B362-599455418EA2}"/>
+                <a16:creationId xmlns:a16="http://schemas.microsoft.com/office/drawing/2014/main" id="{56864837-75E1-1C0F-4734-2F7CAD7C9B01}"/>
               </a:ext>
             </a:extLst>
           </p:cNvPr>
@@ -377,7 +377,7 @@
           <p:cNvPr id="3" name="竖排文字占位符 2">
             <a:extLst>
               <a:ext uri="{FF2B5EF4-FFF2-40B4-BE49-F238E27FC236}">
-                <a16:creationId xmlns:a16="http://schemas.microsoft.com/office/drawing/2014/main" id="{7D319094-35C9-EDBB-CDF2-1DAF2E6F8C52}"/>
+                <a16:creationId xmlns:a16="http://schemas.microsoft.com/office/drawing/2014/main" id="{F1204BBA-792E-ED0A-9F07-5908B5A7E253}"/>
               </a:ext>
             </a:extLst>
           </p:cNvPr>
@@ -434,7 +434,7 @@
           <p:cNvPr id="4" name="日期占位符 3">
             <a:extLst>
               <a:ext uri="{FF2B5EF4-FFF2-40B4-BE49-F238E27FC236}">
-                <a16:creationId xmlns:a16="http://schemas.microsoft.com/office/drawing/2014/main" id="{20CF8DA1-D6CE-83F6-0A5B-71C3D3C0A84D}"/>
+                <a16:creationId xmlns:a16="http://schemas.microsoft.com/office/drawing/2014/main" id="{DF81A2A5-A309-4AE5-EDC7-CEACC891D124}"/>
               </a:ext>
             </a:extLst>
           </p:cNvPr>
@@ -450,7 +450,7 @@
           <a:bodyPr/>
           <a:lstStyle/>
           <a:p>
-            <a:fld id="{6EC1FBE5-4280-4576-80A2-46715F40C1FC}" type="datetimeFigureOut">
+            <a:fld id="{A521C0DC-1C02-4CC5-B823-646FF964A164}" type="datetimeFigureOut">
               <a:rPr lang="zh-CN" altLang="en-US" smtClean="0"/>
               <a:t>2024/3/10</a:t>
             </a:fld>
@@ -463,7 +463,7 @@
           <p:cNvPr id="5" name="页脚占位符 4">
             <a:extLst>
               <a:ext uri="{FF2B5EF4-FFF2-40B4-BE49-F238E27FC236}">
-                <a16:creationId xmlns:a16="http://schemas.microsoft.com/office/drawing/2014/main" id="{EB44C7C7-D362-B577-CCB2-2DFB96CA30DF}"/>
+                <a16:creationId xmlns:a16="http://schemas.microsoft.com/office/drawing/2014/main" id="{E05E572E-5A21-7749-D44D-63426C8C8111}"/>
               </a:ext>
             </a:extLst>
           </p:cNvPr>
@@ -488,7 +488,7 @@
           <p:cNvPr id="6" name="灯片编号占位符 5">
             <a:extLst>
               <a:ext uri="{FF2B5EF4-FFF2-40B4-BE49-F238E27FC236}">
-                <a16:creationId xmlns:a16="http://schemas.microsoft.com/office/drawing/2014/main" id="{61B5D5AE-F3CD-A64E-FB47-D72F909F875E}"/>
+                <a16:creationId xmlns:a16="http://schemas.microsoft.com/office/drawing/2014/main" id="{F70A7D83-3981-4929-7BF6-1DCD9C41A584}"/>
               </a:ext>
             </a:extLst>
           </p:cNvPr>
@@ -504,7 +504,7 @@
           <a:bodyPr/>
           <a:lstStyle/>
           <a:p>
-            <a:fld id="{2651C7D1-3E16-42BD-81CF-787F062290BF}" type="slidenum">
+            <a:fld id="{C439A322-E535-4902-AE7B-518A0259667F}" type="slidenum">
               <a:rPr lang="zh-CN" altLang="en-US" smtClean="0"/>
               <a:t>‹#›</a:t>
             </a:fld>
@@ -515,7 +515,7 @@
     </p:spTree>
     <p:extLst>
       <p:ext uri="{BB962C8B-B14F-4D97-AF65-F5344CB8AC3E}">
-        <p14:creationId xmlns:p14="http://schemas.microsoft.com/office/powerpoint/2010/main" val="1644229731"/>
+        <p14:creationId xmlns:p14="http://schemas.microsoft.com/office/powerpoint/2010/main" val="749682544"/>
       </p:ext>
     </p:extLst>
   </p:cSld>
@@ -547,7 +547,7 @@
           <p:cNvPr id="2" name="竖排标题 1">
             <a:extLst>
               <a:ext uri="{FF2B5EF4-FFF2-40B4-BE49-F238E27FC236}">
-                <a16:creationId xmlns:a16="http://schemas.microsoft.com/office/drawing/2014/main" id="{242FE3E6-B730-38B7-FE4C-B30EC12DC13C}"/>
+                <a16:creationId xmlns:a16="http://schemas.microsoft.com/office/drawing/2014/main" id="{A0688985-EA91-F18A-5E91-EF738EAEA45A}"/>
               </a:ext>
             </a:extLst>
           </p:cNvPr>
@@ -580,7 +580,7 @@
           <p:cNvPr id="3" name="竖排文字占位符 2">
             <a:extLst>
               <a:ext uri="{FF2B5EF4-FFF2-40B4-BE49-F238E27FC236}">
-                <a16:creationId xmlns:a16="http://schemas.microsoft.com/office/drawing/2014/main" id="{3F442858-FB7F-B3B8-2BA4-B938B28B7FE7}"/>
+                <a16:creationId xmlns:a16="http://schemas.microsoft.com/office/drawing/2014/main" id="{503AD5C7-70E4-961E-0A52-8D8017A80D13}"/>
               </a:ext>
             </a:extLst>
           </p:cNvPr>
@@ -642,7 +642,7 @@
           <p:cNvPr id="4" name="日期占位符 3">
             <a:extLst>
               <a:ext uri="{FF2B5EF4-FFF2-40B4-BE49-F238E27FC236}">
-                <a16:creationId xmlns:a16="http://schemas.microsoft.com/office/drawing/2014/main" id="{9118CE0F-DC5F-E258-345A-883D1212A5AB}"/>
+                <a16:creationId xmlns:a16="http://schemas.microsoft.com/office/drawing/2014/main" id="{6582A6BB-FFEE-F2DC-00EB-41DE05A769E4}"/>
               </a:ext>
             </a:extLst>
           </p:cNvPr>
@@ -658,7 +658,7 @@
           <a:bodyPr/>
           <a:lstStyle/>
           <a:p>
-            <a:fld id="{6EC1FBE5-4280-4576-80A2-46715F40C1FC}" type="datetimeFigureOut">
+            <a:fld id="{A521C0DC-1C02-4CC5-B823-646FF964A164}" type="datetimeFigureOut">
               <a:rPr lang="zh-CN" altLang="en-US" smtClean="0"/>
               <a:t>2024/3/10</a:t>
             </a:fld>
@@ -671,7 +671,7 @@
           <p:cNvPr id="5" name="页脚占位符 4">
             <a:extLst>
               <a:ext uri="{FF2B5EF4-FFF2-40B4-BE49-F238E27FC236}">
-                <a16:creationId xmlns:a16="http://schemas.microsoft.com/office/drawing/2014/main" id="{2E67DB84-0E28-1688-048B-AB9E6B6958DD}"/>
+                <a16:creationId xmlns:a16="http://schemas.microsoft.com/office/drawing/2014/main" id="{A4647A21-77F7-3F2F-7F0A-3F2560EF7FFE}"/>
               </a:ext>
             </a:extLst>
           </p:cNvPr>
@@ -696,7 +696,7 @@
           <p:cNvPr id="6" name="灯片编号占位符 5">
             <a:extLst>
               <a:ext uri="{FF2B5EF4-FFF2-40B4-BE49-F238E27FC236}">
-                <a16:creationId xmlns:a16="http://schemas.microsoft.com/office/drawing/2014/main" id="{3EC4CAC7-44F8-DEF1-5ED0-1720B9B3EC94}"/>
+                <a16:creationId xmlns:a16="http://schemas.microsoft.com/office/drawing/2014/main" id="{A6B06F57-E950-38FA-E10F-7F1E5793B367}"/>
               </a:ext>
             </a:extLst>
           </p:cNvPr>
@@ -712,7 +712,7 @@
           <a:bodyPr/>
           <a:lstStyle/>
           <a:p>
-            <a:fld id="{2651C7D1-3E16-42BD-81CF-787F062290BF}" type="slidenum">
+            <a:fld id="{C439A322-E535-4902-AE7B-518A0259667F}" type="slidenum">
               <a:rPr lang="zh-CN" altLang="en-US" smtClean="0"/>
               <a:t>‹#›</a:t>
             </a:fld>
@@ -723,7 +723,7 @@
     </p:spTree>
     <p:extLst>
       <p:ext uri="{BB962C8B-B14F-4D97-AF65-F5344CB8AC3E}">
-        <p14:creationId xmlns:p14="http://schemas.microsoft.com/office/powerpoint/2010/main" val="1655513953"/>
+        <p14:creationId xmlns:p14="http://schemas.microsoft.com/office/powerpoint/2010/main" val="467859212"/>
       </p:ext>
     </p:extLst>
   </p:cSld>
@@ -755,7 +755,7 @@
           <p:cNvPr id="2" name="标题 1">
             <a:extLst>
               <a:ext uri="{FF2B5EF4-FFF2-40B4-BE49-F238E27FC236}">
-                <a16:creationId xmlns:a16="http://schemas.microsoft.com/office/drawing/2014/main" id="{BA014DE5-070F-8A82-2821-5A54B7EF8E6B}"/>
+                <a16:creationId xmlns:a16="http://schemas.microsoft.com/office/drawing/2014/main" id="{FF891226-5484-B864-3727-602FF463B771}"/>
               </a:ext>
             </a:extLst>
           </p:cNvPr>
@@ -783,7 +783,7 @@
           <p:cNvPr id="3" name="内容占位符 2">
             <a:extLst>
               <a:ext uri="{FF2B5EF4-FFF2-40B4-BE49-F238E27FC236}">
-                <a16:creationId xmlns:a16="http://schemas.microsoft.com/office/drawing/2014/main" id="{815960E2-81AC-9135-10BB-82A8FBA0C919}"/>
+                <a16:creationId xmlns:a16="http://schemas.microsoft.com/office/drawing/2014/main" id="{E1E9E348-3DCB-0E65-0684-2ACD5BD2A366}"/>
               </a:ext>
             </a:extLst>
           </p:cNvPr>
@@ -840,7 +840,7 @@
           <p:cNvPr id="4" name="日期占位符 3">
             <a:extLst>
               <a:ext uri="{FF2B5EF4-FFF2-40B4-BE49-F238E27FC236}">
-                <a16:creationId xmlns:a16="http://schemas.microsoft.com/office/drawing/2014/main" id="{CEBE41D7-9333-BC14-C8DA-DF46D41002D2}"/>
+                <a16:creationId xmlns:a16="http://schemas.microsoft.com/office/drawing/2014/main" id="{0BA7EA14-77D0-01C3-E9E7-D3FE2DA284A6}"/>
               </a:ext>
             </a:extLst>
           </p:cNvPr>
@@ -856,7 +856,7 @@
           <a:bodyPr/>
           <a:lstStyle/>
           <a:p>
-            <a:fld id="{6EC1FBE5-4280-4576-80A2-46715F40C1FC}" type="datetimeFigureOut">
+            <a:fld id="{A521C0DC-1C02-4CC5-B823-646FF964A164}" type="datetimeFigureOut">
               <a:rPr lang="zh-CN" altLang="en-US" smtClean="0"/>
               <a:t>2024/3/10</a:t>
             </a:fld>
@@ -869,7 +869,7 @@
           <p:cNvPr id="5" name="页脚占位符 4">
             <a:extLst>
               <a:ext uri="{FF2B5EF4-FFF2-40B4-BE49-F238E27FC236}">
-                <a16:creationId xmlns:a16="http://schemas.microsoft.com/office/drawing/2014/main" id="{A1E410E2-E875-3D36-3F6E-B4C05ED08E7F}"/>
+                <a16:creationId xmlns:a16="http://schemas.microsoft.com/office/drawing/2014/main" id="{73EF5040-13F3-2B3F-5F72-3E57CF61A66D}"/>
               </a:ext>
             </a:extLst>
           </p:cNvPr>
@@ -894,7 +894,7 @@
           <p:cNvPr id="6" name="灯片编号占位符 5">
             <a:extLst>
               <a:ext uri="{FF2B5EF4-FFF2-40B4-BE49-F238E27FC236}">
-                <a16:creationId xmlns:a16="http://schemas.microsoft.com/office/drawing/2014/main" id="{2FB46BD1-0EFA-0C18-A77E-83305C89E864}"/>
+                <a16:creationId xmlns:a16="http://schemas.microsoft.com/office/drawing/2014/main" id="{E7071175-CEB5-FEBA-8176-C48A1F456629}"/>
               </a:ext>
             </a:extLst>
           </p:cNvPr>
@@ -910,7 +910,7 @@
           <a:bodyPr/>
           <a:lstStyle/>
           <a:p>
-            <a:fld id="{2651C7D1-3E16-42BD-81CF-787F062290BF}" type="slidenum">
+            <a:fld id="{C439A322-E535-4902-AE7B-518A0259667F}" type="slidenum">
               <a:rPr lang="zh-CN" altLang="en-US" smtClean="0"/>
               <a:t>‹#›</a:t>
             </a:fld>
@@ -921,7 +921,7 @@
     </p:spTree>
     <p:extLst>
       <p:ext uri="{BB962C8B-B14F-4D97-AF65-F5344CB8AC3E}">
-        <p14:creationId xmlns:p14="http://schemas.microsoft.com/office/powerpoint/2010/main" val="1649381618"/>
+        <p14:creationId xmlns:p14="http://schemas.microsoft.com/office/powerpoint/2010/main" val="3697137768"/>
       </p:ext>
     </p:extLst>
   </p:cSld>
@@ -953,7 +953,7 @@
           <p:cNvPr id="2" name="标题 1">
             <a:extLst>
               <a:ext uri="{FF2B5EF4-FFF2-40B4-BE49-F238E27FC236}">
-                <a16:creationId xmlns:a16="http://schemas.microsoft.com/office/drawing/2014/main" id="{481BC4CE-31B8-6A19-E0D7-0A6330777378}"/>
+                <a16:creationId xmlns:a16="http://schemas.microsoft.com/office/drawing/2014/main" id="{1A1AC611-E7DA-75FF-D5B4-F0E7D8FE99C2}"/>
               </a:ext>
             </a:extLst>
           </p:cNvPr>
@@ -990,7 +990,7 @@
           <p:cNvPr id="3" name="文本占位符 2">
             <a:extLst>
               <a:ext uri="{FF2B5EF4-FFF2-40B4-BE49-F238E27FC236}">
-                <a16:creationId xmlns:a16="http://schemas.microsoft.com/office/drawing/2014/main" id="{C52F90DC-51BB-3191-9EAA-38D59847883E}"/>
+                <a16:creationId xmlns:a16="http://schemas.microsoft.com/office/drawing/2014/main" id="{1AE6EE4A-F286-4AFD-F294-DE39B1573AA8}"/>
               </a:ext>
             </a:extLst>
           </p:cNvPr>
@@ -1115,7 +1115,7 @@
           <p:cNvPr id="4" name="日期占位符 3">
             <a:extLst>
               <a:ext uri="{FF2B5EF4-FFF2-40B4-BE49-F238E27FC236}">
-                <a16:creationId xmlns:a16="http://schemas.microsoft.com/office/drawing/2014/main" id="{FAB12D0B-B5D0-9DE6-FC78-E9C6B23F5C47}"/>
+                <a16:creationId xmlns:a16="http://schemas.microsoft.com/office/drawing/2014/main" id="{A82F6502-04F9-6CD1-AA14-61E097D88505}"/>
               </a:ext>
             </a:extLst>
           </p:cNvPr>
@@ -1131,7 +1131,7 @@
           <a:bodyPr/>
           <a:lstStyle/>
           <a:p>
-            <a:fld id="{6EC1FBE5-4280-4576-80A2-46715F40C1FC}" type="datetimeFigureOut">
+            <a:fld id="{A521C0DC-1C02-4CC5-B823-646FF964A164}" type="datetimeFigureOut">
               <a:rPr lang="zh-CN" altLang="en-US" smtClean="0"/>
               <a:t>2024/3/10</a:t>
             </a:fld>
@@ -1144,7 +1144,7 @@
           <p:cNvPr id="5" name="页脚占位符 4">
             <a:extLst>
               <a:ext uri="{FF2B5EF4-FFF2-40B4-BE49-F238E27FC236}">
-                <a16:creationId xmlns:a16="http://schemas.microsoft.com/office/drawing/2014/main" id="{583B7AB2-D0B9-9E64-FF3C-AFB1162C2F69}"/>
+                <a16:creationId xmlns:a16="http://schemas.microsoft.com/office/drawing/2014/main" id="{5341A3A1-0E78-EDFD-970B-BC97490B5156}"/>
               </a:ext>
             </a:extLst>
           </p:cNvPr>
@@ -1169,7 +1169,7 @@
           <p:cNvPr id="6" name="灯片编号占位符 5">
             <a:extLst>
               <a:ext uri="{FF2B5EF4-FFF2-40B4-BE49-F238E27FC236}">
-                <a16:creationId xmlns:a16="http://schemas.microsoft.com/office/drawing/2014/main" id="{FB869B71-6FFF-2A4A-2D49-52B6B3469C77}"/>
+                <a16:creationId xmlns:a16="http://schemas.microsoft.com/office/drawing/2014/main" id="{5CDE385E-105F-B77B-C863-ACDB4DA01563}"/>
               </a:ext>
             </a:extLst>
           </p:cNvPr>
@@ -1185,7 +1185,7 @@
           <a:bodyPr/>
           <a:lstStyle/>
           <a:p>
-            <a:fld id="{2651C7D1-3E16-42BD-81CF-787F062290BF}" type="slidenum">
+            <a:fld id="{C439A322-E535-4902-AE7B-518A0259667F}" type="slidenum">
               <a:rPr lang="zh-CN" altLang="en-US" smtClean="0"/>
               <a:t>‹#›</a:t>
             </a:fld>
@@ -1196,7 +1196,7 @@
     </p:spTree>
     <p:extLst>
       <p:ext uri="{BB962C8B-B14F-4D97-AF65-F5344CB8AC3E}">
-        <p14:creationId xmlns:p14="http://schemas.microsoft.com/office/powerpoint/2010/main" val="64859013"/>
+        <p14:creationId xmlns:p14="http://schemas.microsoft.com/office/powerpoint/2010/main" val="783521252"/>
       </p:ext>
     </p:extLst>
   </p:cSld>
@@ -1228,7 +1228,7 @@
           <p:cNvPr id="2" name="标题 1">
             <a:extLst>
               <a:ext uri="{FF2B5EF4-FFF2-40B4-BE49-F238E27FC236}">
-                <a16:creationId xmlns:a16="http://schemas.microsoft.com/office/drawing/2014/main" id="{D728D5F8-D81E-5A27-5F5E-5509FC144CE2}"/>
+                <a16:creationId xmlns:a16="http://schemas.microsoft.com/office/drawing/2014/main" id="{11FDE006-A2FB-B9A0-5EEF-C48F9E917AEC}"/>
               </a:ext>
             </a:extLst>
           </p:cNvPr>
@@ -1256,7 +1256,7 @@
           <p:cNvPr id="3" name="内容占位符 2">
             <a:extLst>
               <a:ext uri="{FF2B5EF4-FFF2-40B4-BE49-F238E27FC236}">
-                <a16:creationId xmlns:a16="http://schemas.microsoft.com/office/drawing/2014/main" id="{E3AB5EA9-E0F4-591B-FDC7-A20C9DDDDA9C}"/>
+                <a16:creationId xmlns:a16="http://schemas.microsoft.com/office/drawing/2014/main" id="{BEF7BDF4-E970-E2EB-9DA2-4A72021D5CDB}"/>
               </a:ext>
             </a:extLst>
           </p:cNvPr>
@@ -1318,7 +1318,7 @@
           <p:cNvPr id="4" name="内容占位符 3">
             <a:extLst>
               <a:ext uri="{FF2B5EF4-FFF2-40B4-BE49-F238E27FC236}">
-                <a16:creationId xmlns:a16="http://schemas.microsoft.com/office/drawing/2014/main" id="{41374F5F-76FF-F6BC-835D-388CE2134040}"/>
+                <a16:creationId xmlns:a16="http://schemas.microsoft.com/office/drawing/2014/main" id="{1B2C2E20-15E2-1D4C-7B3D-897C0E2F9CC7}"/>
               </a:ext>
             </a:extLst>
           </p:cNvPr>
@@ -1380,7 +1380,7 @@
           <p:cNvPr id="5" name="日期占位符 4">
             <a:extLst>
               <a:ext uri="{FF2B5EF4-FFF2-40B4-BE49-F238E27FC236}">
-                <a16:creationId xmlns:a16="http://schemas.microsoft.com/office/drawing/2014/main" id="{FB30B071-7FA7-31DE-19C8-B86E7DF142ED}"/>
+                <a16:creationId xmlns:a16="http://schemas.microsoft.com/office/drawing/2014/main" id="{F8809DC2-50BC-DDA8-B796-C4F72B94694E}"/>
               </a:ext>
             </a:extLst>
           </p:cNvPr>
@@ -1396,7 +1396,7 @@
           <a:bodyPr/>
           <a:lstStyle/>
           <a:p>
-            <a:fld id="{6EC1FBE5-4280-4576-80A2-46715F40C1FC}" type="datetimeFigureOut">
+            <a:fld id="{A521C0DC-1C02-4CC5-B823-646FF964A164}" type="datetimeFigureOut">
               <a:rPr lang="zh-CN" altLang="en-US" smtClean="0"/>
               <a:t>2024/3/10</a:t>
             </a:fld>
@@ -1409,7 +1409,7 @@
           <p:cNvPr id="6" name="页脚占位符 5">
             <a:extLst>
               <a:ext uri="{FF2B5EF4-FFF2-40B4-BE49-F238E27FC236}">
-                <a16:creationId xmlns:a16="http://schemas.microsoft.com/office/drawing/2014/main" id="{B423FBA9-18C3-FC06-2F5A-CDA401425101}"/>
+                <a16:creationId xmlns:a16="http://schemas.microsoft.com/office/drawing/2014/main" id="{8AF1FD79-7490-0422-DDAF-AA0FC4EA9520}"/>
               </a:ext>
             </a:extLst>
           </p:cNvPr>
@@ -1434,7 +1434,7 @@
           <p:cNvPr id="7" name="灯片编号占位符 6">
             <a:extLst>
               <a:ext uri="{FF2B5EF4-FFF2-40B4-BE49-F238E27FC236}">
-                <a16:creationId xmlns:a16="http://schemas.microsoft.com/office/drawing/2014/main" id="{500A929A-7B42-D0EC-D18D-550CB0D7AD47}"/>
+                <a16:creationId xmlns:a16="http://schemas.microsoft.com/office/drawing/2014/main" id="{AB0A6B1B-126A-CCF8-7EFC-E569F0041F62}"/>
               </a:ext>
             </a:extLst>
           </p:cNvPr>
@@ -1450,7 +1450,7 @@
           <a:bodyPr/>
           <a:lstStyle/>
           <a:p>
-            <a:fld id="{2651C7D1-3E16-42BD-81CF-787F062290BF}" type="slidenum">
+            <a:fld id="{C439A322-E535-4902-AE7B-518A0259667F}" type="slidenum">
               <a:rPr lang="zh-CN" altLang="en-US" smtClean="0"/>
               <a:t>‹#›</a:t>
             </a:fld>
@@ -1461,7 +1461,7 @@
     </p:spTree>
     <p:extLst>
       <p:ext uri="{BB962C8B-B14F-4D97-AF65-F5344CB8AC3E}">
-        <p14:creationId xmlns:p14="http://schemas.microsoft.com/office/powerpoint/2010/main" val="3095369957"/>
+        <p14:creationId xmlns:p14="http://schemas.microsoft.com/office/powerpoint/2010/main" val="3347791317"/>
       </p:ext>
     </p:extLst>
   </p:cSld>
@@ -1493,7 +1493,7 @@
           <p:cNvPr id="2" name="标题 1">
             <a:extLst>
               <a:ext uri="{FF2B5EF4-FFF2-40B4-BE49-F238E27FC236}">
-                <a16:creationId xmlns:a16="http://schemas.microsoft.com/office/drawing/2014/main" id="{1EF91895-8062-2109-9E5E-F9EF3341DBFA}"/>
+                <a16:creationId xmlns:a16="http://schemas.microsoft.com/office/drawing/2014/main" id="{C77C87FF-4061-7CE9-B5AF-D8C47A3B15CC}"/>
               </a:ext>
             </a:extLst>
           </p:cNvPr>
@@ -1526,7 +1526,7 @@
           <p:cNvPr id="3" name="文本占位符 2">
             <a:extLst>
               <a:ext uri="{FF2B5EF4-FFF2-40B4-BE49-F238E27FC236}">
-                <a16:creationId xmlns:a16="http://schemas.microsoft.com/office/drawing/2014/main" id="{E92CB419-3CBA-BDA8-0AAD-A0AB6855DEFC}"/>
+                <a16:creationId xmlns:a16="http://schemas.microsoft.com/office/drawing/2014/main" id="{48F956FC-0ABC-C5A3-0A7E-39958D5DE4BC}"/>
               </a:ext>
             </a:extLst>
           </p:cNvPr>
@@ -1597,7 +1597,7 @@
           <p:cNvPr id="4" name="内容占位符 3">
             <a:extLst>
               <a:ext uri="{FF2B5EF4-FFF2-40B4-BE49-F238E27FC236}">
-                <a16:creationId xmlns:a16="http://schemas.microsoft.com/office/drawing/2014/main" id="{3B68980F-8E48-8979-132A-A69DD0EE05FA}"/>
+                <a16:creationId xmlns:a16="http://schemas.microsoft.com/office/drawing/2014/main" id="{E5DE0040-C869-4C7B-A5D0-BDB166B4C0C3}"/>
               </a:ext>
             </a:extLst>
           </p:cNvPr>
@@ -1659,7 +1659,7 @@
           <p:cNvPr id="5" name="文本占位符 4">
             <a:extLst>
               <a:ext uri="{FF2B5EF4-FFF2-40B4-BE49-F238E27FC236}">
-                <a16:creationId xmlns:a16="http://schemas.microsoft.com/office/drawing/2014/main" id="{1A8B14C2-DAE4-BA6B-2E7F-0EBBE7B6464F}"/>
+                <a16:creationId xmlns:a16="http://schemas.microsoft.com/office/drawing/2014/main" id="{2265ACB5-9854-E1F6-8997-E47ACFBE802B}"/>
               </a:ext>
             </a:extLst>
           </p:cNvPr>
@@ -1730,7 +1730,7 @@
           <p:cNvPr id="6" name="内容占位符 5">
             <a:extLst>
               <a:ext uri="{FF2B5EF4-FFF2-40B4-BE49-F238E27FC236}">
-                <a16:creationId xmlns:a16="http://schemas.microsoft.com/office/drawing/2014/main" id="{165C8A0C-F13C-0FAB-BBB4-672A5F54D2C0}"/>
+                <a16:creationId xmlns:a16="http://schemas.microsoft.com/office/drawing/2014/main" id="{EE18E720-6046-D8C4-CE1C-22C5930A7F93}"/>
               </a:ext>
             </a:extLst>
           </p:cNvPr>
@@ -1792,7 +1792,7 @@
           <p:cNvPr id="7" name="日期占位符 6">
             <a:extLst>
               <a:ext uri="{FF2B5EF4-FFF2-40B4-BE49-F238E27FC236}">
-                <a16:creationId xmlns:a16="http://schemas.microsoft.com/office/drawing/2014/main" id="{98F56494-0A53-E709-3C53-19A3C3620104}"/>
+                <a16:creationId xmlns:a16="http://schemas.microsoft.com/office/drawing/2014/main" id="{7B8086CD-E365-EB60-D038-0D7B504B7EDC}"/>
               </a:ext>
             </a:extLst>
           </p:cNvPr>
@@ -1808,7 +1808,7 @@
           <a:bodyPr/>
           <a:lstStyle/>
           <a:p>
-            <a:fld id="{6EC1FBE5-4280-4576-80A2-46715F40C1FC}" type="datetimeFigureOut">
+            <a:fld id="{A521C0DC-1C02-4CC5-B823-646FF964A164}" type="datetimeFigureOut">
               <a:rPr lang="zh-CN" altLang="en-US" smtClean="0"/>
               <a:t>2024/3/10</a:t>
             </a:fld>
@@ -1821,7 +1821,7 @@
           <p:cNvPr id="8" name="页脚占位符 7">
             <a:extLst>
               <a:ext uri="{FF2B5EF4-FFF2-40B4-BE49-F238E27FC236}">
-                <a16:creationId xmlns:a16="http://schemas.microsoft.com/office/drawing/2014/main" id="{4F5AEDBA-AE87-D6FE-249C-CBF48FA74537}"/>
+                <a16:creationId xmlns:a16="http://schemas.microsoft.com/office/drawing/2014/main" id="{925171CD-32F8-7DF9-AB5D-A63B6078FBA0}"/>
               </a:ext>
             </a:extLst>
           </p:cNvPr>
@@ -1846,7 +1846,7 @@
           <p:cNvPr id="9" name="灯片编号占位符 8">
             <a:extLst>
               <a:ext uri="{FF2B5EF4-FFF2-40B4-BE49-F238E27FC236}">
-                <a16:creationId xmlns:a16="http://schemas.microsoft.com/office/drawing/2014/main" id="{79D99863-1CA0-A061-5B9C-26456E988411}"/>
+                <a16:creationId xmlns:a16="http://schemas.microsoft.com/office/drawing/2014/main" id="{AF921E20-22F5-6271-58A6-B39141A544A5}"/>
               </a:ext>
             </a:extLst>
           </p:cNvPr>
@@ -1862,7 +1862,7 @@
           <a:bodyPr/>
           <a:lstStyle/>
           <a:p>
-            <a:fld id="{2651C7D1-3E16-42BD-81CF-787F062290BF}" type="slidenum">
+            <a:fld id="{C439A322-E535-4902-AE7B-518A0259667F}" type="slidenum">
               <a:rPr lang="zh-CN" altLang="en-US" smtClean="0"/>
               <a:t>‹#›</a:t>
             </a:fld>
@@ -1873,7 +1873,7 @@
     </p:spTree>
     <p:extLst>
       <p:ext uri="{BB962C8B-B14F-4D97-AF65-F5344CB8AC3E}">
-        <p14:creationId xmlns:p14="http://schemas.microsoft.com/office/powerpoint/2010/main" val="2334736677"/>
+        <p14:creationId xmlns:p14="http://schemas.microsoft.com/office/powerpoint/2010/main" val="2390157490"/>
       </p:ext>
     </p:extLst>
   </p:cSld>
@@ -1905,7 +1905,7 @@
           <p:cNvPr id="2" name="标题 1">
             <a:extLst>
               <a:ext uri="{FF2B5EF4-FFF2-40B4-BE49-F238E27FC236}">
-                <a16:creationId xmlns:a16="http://schemas.microsoft.com/office/drawing/2014/main" id="{20803F6B-3443-4005-5B71-1F839FE5E09F}"/>
+                <a16:creationId xmlns:a16="http://schemas.microsoft.com/office/drawing/2014/main" id="{F880C590-34C8-E6A1-A880-BED1630C938D}"/>
               </a:ext>
             </a:extLst>
           </p:cNvPr>
@@ -1933,7 +1933,7 @@
           <p:cNvPr id="3" name="日期占位符 2">
             <a:extLst>
               <a:ext uri="{FF2B5EF4-FFF2-40B4-BE49-F238E27FC236}">
-                <a16:creationId xmlns:a16="http://schemas.microsoft.com/office/drawing/2014/main" id="{B184B9B9-160D-F649-6038-9410432F5046}"/>
+                <a16:creationId xmlns:a16="http://schemas.microsoft.com/office/drawing/2014/main" id="{0922E40A-5FA9-8CF9-FAF3-C74F97288888}"/>
               </a:ext>
             </a:extLst>
           </p:cNvPr>
@@ -1949,7 +1949,7 @@
           <a:bodyPr/>
           <a:lstStyle/>
           <a:p>
-            <a:fld id="{6EC1FBE5-4280-4576-80A2-46715F40C1FC}" type="datetimeFigureOut">
+            <a:fld id="{A521C0DC-1C02-4CC5-B823-646FF964A164}" type="datetimeFigureOut">
               <a:rPr lang="zh-CN" altLang="en-US" smtClean="0"/>
               <a:t>2024/3/10</a:t>
             </a:fld>
@@ -1962,7 +1962,7 @@
           <p:cNvPr id="4" name="页脚占位符 3">
             <a:extLst>
               <a:ext uri="{FF2B5EF4-FFF2-40B4-BE49-F238E27FC236}">
-                <a16:creationId xmlns:a16="http://schemas.microsoft.com/office/drawing/2014/main" id="{DCB7CC65-12C6-A8B9-EDD3-404DBE07AD17}"/>
+                <a16:creationId xmlns:a16="http://schemas.microsoft.com/office/drawing/2014/main" id="{0A375A6B-E9A3-0BA4-B28D-5B6D57424016}"/>
               </a:ext>
             </a:extLst>
           </p:cNvPr>
@@ -1987,7 +1987,7 @@
           <p:cNvPr id="5" name="灯片编号占位符 4">
             <a:extLst>
               <a:ext uri="{FF2B5EF4-FFF2-40B4-BE49-F238E27FC236}">
-                <a16:creationId xmlns:a16="http://schemas.microsoft.com/office/drawing/2014/main" id="{8BD097DA-CEB4-A9ED-0523-1DC374582FFC}"/>
+                <a16:creationId xmlns:a16="http://schemas.microsoft.com/office/drawing/2014/main" id="{EBA5556B-A222-5994-6E68-F607FAB387AC}"/>
               </a:ext>
             </a:extLst>
           </p:cNvPr>
@@ -2003,7 +2003,7 @@
           <a:bodyPr/>
           <a:lstStyle/>
           <a:p>
-            <a:fld id="{2651C7D1-3E16-42BD-81CF-787F062290BF}" type="slidenum">
+            <a:fld id="{C439A322-E535-4902-AE7B-518A0259667F}" type="slidenum">
               <a:rPr lang="zh-CN" altLang="en-US" smtClean="0"/>
               <a:t>‹#›</a:t>
             </a:fld>
@@ -2014,7 +2014,7 @@
     </p:spTree>
     <p:extLst>
       <p:ext uri="{BB962C8B-B14F-4D97-AF65-F5344CB8AC3E}">
-        <p14:creationId xmlns:p14="http://schemas.microsoft.com/office/powerpoint/2010/main" val="391147947"/>
+        <p14:creationId xmlns:p14="http://schemas.microsoft.com/office/powerpoint/2010/main" val="3286829104"/>
       </p:ext>
     </p:extLst>
   </p:cSld>
@@ -2046,7 +2046,7 @@
           <p:cNvPr id="2" name="日期占位符 1">
             <a:extLst>
               <a:ext uri="{FF2B5EF4-FFF2-40B4-BE49-F238E27FC236}">
-                <a16:creationId xmlns:a16="http://schemas.microsoft.com/office/drawing/2014/main" id="{509D3FC5-A9C1-002D-4825-2D057FC3821C}"/>
+                <a16:creationId xmlns:a16="http://schemas.microsoft.com/office/drawing/2014/main" id="{ADE0EA55-D95D-456B-8463-5028D667769D}"/>
               </a:ext>
             </a:extLst>
           </p:cNvPr>
@@ -2062,7 +2062,7 @@
           <a:bodyPr/>
           <a:lstStyle/>
           <a:p>
-            <a:fld id="{6EC1FBE5-4280-4576-80A2-46715F40C1FC}" type="datetimeFigureOut">
+            <a:fld id="{A521C0DC-1C02-4CC5-B823-646FF964A164}" type="datetimeFigureOut">
               <a:rPr lang="zh-CN" altLang="en-US" smtClean="0"/>
               <a:t>2024/3/10</a:t>
             </a:fld>
@@ -2075,7 +2075,7 @@
           <p:cNvPr id="3" name="页脚占位符 2">
             <a:extLst>
               <a:ext uri="{FF2B5EF4-FFF2-40B4-BE49-F238E27FC236}">
-                <a16:creationId xmlns:a16="http://schemas.microsoft.com/office/drawing/2014/main" id="{D27F9775-E470-0A27-4827-4D2C7C9A201F}"/>
+                <a16:creationId xmlns:a16="http://schemas.microsoft.com/office/drawing/2014/main" id="{3F2E5EB7-5CC5-93DB-0962-5E3462DDB505}"/>
               </a:ext>
             </a:extLst>
           </p:cNvPr>
@@ -2100,7 +2100,7 @@
           <p:cNvPr id="4" name="灯片编号占位符 3">
             <a:extLst>
               <a:ext uri="{FF2B5EF4-FFF2-40B4-BE49-F238E27FC236}">
-                <a16:creationId xmlns:a16="http://schemas.microsoft.com/office/drawing/2014/main" id="{6C5CA7C5-C6E2-4F59-0002-BE6EF2A540EB}"/>
+                <a16:creationId xmlns:a16="http://schemas.microsoft.com/office/drawing/2014/main" id="{7D7DDD11-31E7-A7F3-9A55-F805EE27700A}"/>
               </a:ext>
             </a:extLst>
           </p:cNvPr>
@@ -2116,7 +2116,7 @@
           <a:bodyPr/>
           <a:lstStyle/>
           <a:p>
-            <a:fld id="{2651C7D1-3E16-42BD-81CF-787F062290BF}" type="slidenum">
+            <a:fld id="{C439A322-E535-4902-AE7B-518A0259667F}" type="slidenum">
               <a:rPr lang="zh-CN" altLang="en-US" smtClean="0"/>
               <a:t>‹#›</a:t>
             </a:fld>
@@ -2127,7 +2127,7 @@
     </p:spTree>
     <p:extLst>
       <p:ext uri="{BB962C8B-B14F-4D97-AF65-F5344CB8AC3E}">
-        <p14:creationId xmlns:p14="http://schemas.microsoft.com/office/powerpoint/2010/main" val="794816011"/>
+        <p14:creationId xmlns:p14="http://schemas.microsoft.com/office/powerpoint/2010/main" val="677721297"/>
       </p:ext>
     </p:extLst>
   </p:cSld>
@@ -2159,7 +2159,7 @@
           <p:cNvPr id="2" name="标题 1">
             <a:extLst>
               <a:ext uri="{FF2B5EF4-FFF2-40B4-BE49-F238E27FC236}">
-                <a16:creationId xmlns:a16="http://schemas.microsoft.com/office/drawing/2014/main" id="{FDB989DD-1F48-3423-DD4A-F0E3143D3FF0}"/>
+                <a16:creationId xmlns:a16="http://schemas.microsoft.com/office/drawing/2014/main" id="{27957805-03A0-71DB-B010-95810B451637}"/>
               </a:ext>
             </a:extLst>
           </p:cNvPr>
@@ -2196,7 +2196,7 @@
           <p:cNvPr id="3" name="内容占位符 2">
             <a:extLst>
               <a:ext uri="{FF2B5EF4-FFF2-40B4-BE49-F238E27FC236}">
-                <a16:creationId xmlns:a16="http://schemas.microsoft.com/office/drawing/2014/main" id="{CB7F2917-557E-0B71-59F9-21AD46170F23}"/>
+                <a16:creationId xmlns:a16="http://schemas.microsoft.com/office/drawing/2014/main" id="{F6E1378F-7859-E491-FCCF-C401A2D37319}"/>
               </a:ext>
             </a:extLst>
           </p:cNvPr>
@@ -2286,7 +2286,7 @@
           <p:cNvPr id="4" name="文本占位符 3">
             <a:extLst>
               <a:ext uri="{FF2B5EF4-FFF2-40B4-BE49-F238E27FC236}">
-                <a16:creationId xmlns:a16="http://schemas.microsoft.com/office/drawing/2014/main" id="{FE874884-C596-DB38-FB2A-EBC38EF2A7AB}"/>
+                <a16:creationId xmlns:a16="http://schemas.microsoft.com/office/drawing/2014/main" id="{8E2BC631-A997-B5C9-D31A-3FB654DAC29E}"/>
               </a:ext>
             </a:extLst>
           </p:cNvPr>
@@ -2357,7 +2357,7 @@
           <p:cNvPr id="5" name="日期占位符 4">
             <a:extLst>
               <a:ext uri="{FF2B5EF4-FFF2-40B4-BE49-F238E27FC236}">
-                <a16:creationId xmlns:a16="http://schemas.microsoft.com/office/drawing/2014/main" id="{E6B7031F-1BEE-61BA-8595-D3C33C7242DB}"/>
+                <a16:creationId xmlns:a16="http://schemas.microsoft.com/office/drawing/2014/main" id="{47C635CD-AD18-800A-8800-4740EC073ED3}"/>
               </a:ext>
             </a:extLst>
           </p:cNvPr>
@@ -2373,7 +2373,7 @@
           <a:bodyPr/>
           <a:lstStyle/>
           <a:p>
-            <a:fld id="{6EC1FBE5-4280-4576-80A2-46715F40C1FC}" type="datetimeFigureOut">
+            <a:fld id="{A521C0DC-1C02-4CC5-B823-646FF964A164}" type="datetimeFigureOut">
               <a:rPr lang="zh-CN" altLang="en-US" smtClean="0"/>
               <a:t>2024/3/10</a:t>
             </a:fld>
@@ -2386,7 +2386,7 @@
           <p:cNvPr id="6" name="页脚占位符 5">
             <a:extLst>
               <a:ext uri="{FF2B5EF4-FFF2-40B4-BE49-F238E27FC236}">
-                <a16:creationId xmlns:a16="http://schemas.microsoft.com/office/drawing/2014/main" id="{B13A4DFA-A749-EB18-E4F4-5575C31F724C}"/>
+                <a16:creationId xmlns:a16="http://schemas.microsoft.com/office/drawing/2014/main" id="{AAEEA003-3699-B845-7611-FE2D11BCBADD}"/>
               </a:ext>
             </a:extLst>
           </p:cNvPr>
@@ -2411,7 +2411,7 @@
           <p:cNvPr id="7" name="灯片编号占位符 6">
             <a:extLst>
               <a:ext uri="{FF2B5EF4-FFF2-40B4-BE49-F238E27FC236}">
-                <a16:creationId xmlns:a16="http://schemas.microsoft.com/office/drawing/2014/main" id="{46C22CC0-CF88-E3AF-305B-DE0421F533B6}"/>
+                <a16:creationId xmlns:a16="http://schemas.microsoft.com/office/drawing/2014/main" id="{1E876BCE-EF91-6336-CB98-752EA824FDBB}"/>
               </a:ext>
             </a:extLst>
           </p:cNvPr>
@@ -2427,7 +2427,7 @@
           <a:bodyPr/>
           <a:lstStyle/>
           <a:p>
-            <a:fld id="{2651C7D1-3E16-42BD-81CF-787F062290BF}" type="slidenum">
+            <a:fld id="{C439A322-E535-4902-AE7B-518A0259667F}" type="slidenum">
               <a:rPr lang="zh-CN" altLang="en-US" smtClean="0"/>
               <a:t>‹#›</a:t>
             </a:fld>
@@ -2438,7 +2438,7 @@
     </p:spTree>
     <p:extLst>
       <p:ext uri="{BB962C8B-B14F-4D97-AF65-F5344CB8AC3E}">
-        <p14:creationId xmlns:p14="http://schemas.microsoft.com/office/powerpoint/2010/main" val="1746478559"/>
+        <p14:creationId xmlns:p14="http://schemas.microsoft.com/office/powerpoint/2010/main" val="454111201"/>
       </p:ext>
     </p:extLst>
   </p:cSld>
@@ -2470,7 +2470,7 @@
           <p:cNvPr id="2" name="标题 1">
             <a:extLst>
               <a:ext uri="{FF2B5EF4-FFF2-40B4-BE49-F238E27FC236}">
-                <a16:creationId xmlns:a16="http://schemas.microsoft.com/office/drawing/2014/main" id="{6409B6EF-4375-F97B-E6C6-496E3DFFE17B}"/>
+                <a16:creationId xmlns:a16="http://schemas.microsoft.com/office/drawing/2014/main" id="{93DCE372-85A3-B5B5-D692-E7E4E0B447F4}"/>
               </a:ext>
             </a:extLst>
           </p:cNvPr>
@@ -2507,7 +2507,7 @@
           <p:cNvPr id="3" name="图片占位符 2">
             <a:extLst>
               <a:ext uri="{FF2B5EF4-FFF2-40B4-BE49-F238E27FC236}">
-                <a16:creationId xmlns:a16="http://schemas.microsoft.com/office/drawing/2014/main" id="{0637DC50-8909-8AA5-1286-1CD8C6E2E033}"/>
+                <a16:creationId xmlns:a16="http://schemas.microsoft.com/office/drawing/2014/main" id="{F61D92F4-E6FE-9C8D-8F5A-861D58F86650}"/>
               </a:ext>
             </a:extLst>
           </p:cNvPr>
@@ -2574,7 +2574,7 @@
           <p:cNvPr id="4" name="文本占位符 3">
             <a:extLst>
               <a:ext uri="{FF2B5EF4-FFF2-40B4-BE49-F238E27FC236}">
-                <a16:creationId xmlns:a16="http://schemas.microsoft.com/office/drawing/2014/main" id="{6D2DF07F-F979-4A95-5AB9-2B27E29B708E}"/>
+                <a16:creationId xmlns:a16="http://schemas.microsoft.com/office/drawing/2014/main" id="{F8965A80-CD84-46A3-9DBB-47D401B71B35}"/>
               </a:ext>
             </a:extLst>
           </p:cNvPr>
@@ -2645,7 +2645,7 @@
           <p:cNvPr id="5" name="日期占位符 4">
             <a:extLst>
               <a:ext uri="{FF2B5EF4-FFF2-40B4-BE49-F238E27FC236}">
-                <a16:creationId xmlns:a16="http://schemas.microsoft.com/office/drawing/2014/main" id="{988DCC9C-3A58-07B9-B35B-1DD726B89C42}"/>
+                <a16:creationId xmlns:a16="http://schemas.microsoft.com/office/drawing/2014/main" id="{8F24562C-88F0-CF14-3D58-79A82F882FC0}"/>
               </a:ext>
             </a:extLst>
           </p:cNvPr>
@@ -2661,7 +2661,7 @@
           <a:bodyPr/>
           <a:lstStyle/>
           <a:p>
-            <a:fld id="{6EC1FBE5-4280-4576-80A2-46715F40C1FC}" type="datetimeFigureOut">
+            <a:fld id="{A521C0DC-1C02-4CC5-B823-646FF964A164}" type="datetimeFigureOut">
               <a:rPr lang="zh-CN" altLang="en-US" smtClean="0"/>
               <a:t>2024/3/10</a:t>
             </a:fld>
@@ -2674,7 +2674,7 @@
           <p:cNvPr id="6" name="页脚占位符 5">
             <a:extLst>
               <a:ext uri="{FF2B5EF4-FFF2-40B4-BE49-F238E27FC236}">
-                <a16:creationId xmlns:a16="http://schemas.microsoft.com/office/drawing/2014/main" id="{2028134E-D880-DBCF-D4B3-40B625189ED1}"/>
+                <a16:creationId xmlns:a16="http://schemas.microsoft.com/office/drawing/2014/main" id="{4F33886E-4F62-E235-187D-45D32E256C0C}"/>
               </a:ext>
             </a:extLst>
           </p:cNvPr>
@@ -2699,7 +2699,7 @@
           <p:cNvPr id="7" name="灯片编号占位符 6">
             <a:extLst>
               <a:ext uri="{FF2B5EF4-FFF2-40B4-BE49-F238E27FC236}">
-                <a16:creationId xmlns:a16="http://schemas.microsoft.com/office/drawing/2014/main" id="{A4902D60-5B34-82DB-3A53-84169354443E}"/>
+                <a16:creationId xmlns:a16="http://schemas.microsoft.com/office/drawing/2014/main" id="{A00502A5-D591-B9AB-3639-1D1552B90825}"/>
               </a:ext>
             </a:extLst>
           </p:cNvPr>
@@ -2715,7 +2715,7 @@
           <a:bodyPr/>
           <a:lstStyle/>
           <a:p>
-            <a:fld id="{2651C7D1-3E16-42BD-81CF-787F062290BF}" type="slidenum">
+            <a:fld id="{C439A322-E535-4902-AE7B-518A0259667F}" type="slidenum">
               <a:rPr lang="zh-CN" altLang="en-US" smtClean="0"/>
               <a:t>‹#›</a:t>
             </a:fld>
@@ -2726,7 +2726,7 @@
     </p:spTree>
     <p:extLst>
       <p:ext uri="{BB962C8B-B14F-4D97-AF65-F5344CB8AC3E}">
-        <p14:creationId xmlns:p14="http://schemas.microsoft.com/office/powerpoint/2010/main" val="2041824153"/>
+        <p14:creationId xmlns:p14="http://schemas.microsoft.com/office/powerpoint/2010/main" val="86783400"/>
       </p:ext>
     </p:extLst>
   </p:cSld>
@@ -2763,7 +2763,7 @@
           <p:cNvPr id="2" name="标题占位符 1">
             <a:extLst>
               <a:ext uri="{FF2B5EF4-FFF2-40B4-BE49-F238E27FC236}">
-                <a16:creationId xmlns:a16="http://schemas.microsoft.com/office/drawing/2014/main" id="{B6FD16B3-C694-1EA4-7A19-6BDEAD21D986}"/>
+                <a16:creationId xmlns:a16="http://schemas.microsoft.com/office/drawing/2014/main" id="{86987EF9-0A48-90E4-720B-8A5BD2FE5E2D}"/>
               </a:ext>
             </a:extLst>
           </p:cNvPr>
@@ -2801,7 +2801,7 @@
           <p:cNvPr id="3" name="文本占位符 2">
             <a:extLst>
               <a:ext uri="{FF2B5EF4-FFF2-40B4-BE49-F238E27FC236}">
-                <a16:creationId xmlns:a16="http://schemas.microsoft.com/office/drawing/2014/main" id="{D4F00816-8579-A25B-F516-4FB286E5E2DE}"/>
+                <a16:creationId xmlns:a16="http://schemas.microsoft.com/office/drawing/2014/main" id="{D36103F8-C75A-EEE6-DD40-F97D0526B202}"/>
               </a:ext>
             </a:extLst>
           </p:cNvPr>
@@ -2868,7 +2868,7 @@
           <p:cNvPr id="4" name="日期占位符 3">
             <a:extLst>
               <a:ext uri="{FF2B5EF4-FFF2-40B4-BE49-F238E27FC236}">
-                <a16:creationId xmlns:a16="http://schemas.microsoft.com/office/drawing/2014/main" id="{E5B76AD6-9222-99C8-5EF2-568BB81DB2FB}"/>
+                <a16:creationId xmlns:a16="http://schemas.microsoft.com/office/drawing/2014/main" id="{A8F05FBD-6716-BD02-6AF6-0E3B7E482B18}"/>
               </a:ext>
             </a:extLst>
           </p:cNvPr>
@@ -2902,7 +2902,7 @@
             </a:lvl1pPr>
           </a:lstStyle>
           <a:p>
-            <a:fld id="{6EC1FBE5-4280-4576-80A2-46715F40C1FC}" type="datetimeFigureOut">
+            <a:fld id="{A521C0DC-1C02-4CC5-B823-646FF964A164}" type="datetimeFigureOut">
               <a:rPr lang="zh-CN" altLang="en-US" smtClean="0"/>
               <a:t>2024/3/10</a:t>
             </a:fld>
@@ -2915,7 +2915,7 @@
           <p:cNvPr id="5" name="页脚占位符 4">
             <a:extLst>
               <a:ext uri="{FF2B5EF4-FFF2-40B4-BE49-F238E27FC236}">
-                <a16:creationId xmlns:a16="http://schemas.microsoft.com/office/drawing/2014/main" id="{2DF37EF2-C2C6-EDE3-6452-21637A06D9BB}"/>
+                <a16:creationId xmlns:a16="http://schemas.microsoft.com/office/drawing/2014/main" id="{9AAD73E6-6834-B81D-5AB3-888A916B710E}"/>
               </a:ext>
             </a:extLst>
           </p:cNvPr>
@@ -2958,7 +2958,7 @@
           <p:cNvPr id="6" name="灯片编号占位符 5">
             <a:extLst>
               <a:ext uri="{FF2B5EF4-FFF2-40B4-BE49-F238E27FC236}">
-                <a16:creationId xmlns:a16="http://schemas.microsoft.com/office/drawing/2014/main" id="{80764B09-AA18-9BB3-CAB5-3EAFFF6B8CA3}"/>
+                <a16:creationId xmlns:a16="http://schemas.microsoft.com/office/drawing/2014/main" id="{750D3950-44E2-4A1D-3EF3-0E3162853336}"/>
               </a:ext>
             </a:extLst>
           </p:cNvPr>
@@ -2992,7 +2992,7 @@
             </a:lvl1pPr>
           </a:lstStyle>
           <a:p>
-            <a:fld id="{2651C7D1-3E16-42BD-81CF-787F062290BF}" type="slidenum">
+            <a:fld id="{C439A322-E535-4902-AE7B-518A0259667F}" type="slidenum">
               <a:rPr lang="zh-CN" altLang="en-US" smtClean="0"/>
               <a:t>‹#›</a:t>
             </a:fld>
@@ -3003,7 +3003,7 @@
     </p:spTree>
     <p:extLst>
       <p:ext uri="{BB962C8B-B14F-4D97-AF65-F5344CB8AC3E}">
-        <p14:creationId xmlns:p14="http://schemas.microsoft.com/office/powerpoint/2010/main" val="617520587"/>
+        <p14:creationId xmlns:p14="http://schemas.microsoft.com/office/powerpoint/2010/main" val="1700264906"/>
       </p:ext>
     </p:extLst>
   </p:cSld>
